--- a/2025_М_ПІ_ІПЗ-23-3_Ткаченко_О_О.pptx
+++ b/2025_М_ПІ_ІПЗ-23-3_Ткаченко_О_О.pptx
@@ -9570,7 +9570,7 @@
         </p:spPr>
         <p:txBody>
           <a:bodyPr spcFirstLastPara="1" wrap="square" lIns="91425" tIns="91425" rIns="91425" bIns="91425" anchor="t" anchorCtr="0">
-            <a:normAutofit fontScale="92500"/>
+            <a:normAutofit fontScale="92500" lnSpcReduction="10000"/>
           </a:bodyPr>
           <a:lstStyle/>
           <a:p>
@@ -9673,7 +9673,15 @@
             </a:r>
             <a:r>
               <a:rPr lang="uk-UA" sz="1600" dirty="0"/>
-              <a:t>текстів (статистичних, класифікаційних, комбінованих).</a:t>
+              <a:t>текстів (статистичних методів, </a:t>
+            </a:r>
+            <a:r>
+              <a:rPr lang="uk-UA" sz="1600" dirty="0" err="1"/>
+              <a:t>класіфікаторів</a:t>
+            </a:r>
+            <a:r>
+              <a:rPr lang="uk-UA" sz="1600" dirty="0"/>
+              <a:t>, водяних знаків).</a:t>
             </a:r>
           </a:p>
           <a:p>
@@ -10509,7 +10517,7 @@
         </p:spPr>
         <p:txBody>
           <a:bodyPr spcFirstLastPara="1" wrap="square" lIns="91425" tIns="91425" rIns="91425" bIns="91425" anchor="t" anchorCtr="0">
-            <a:normAutofit fontScale="70000" lnSpcReduction="20000"/>
+            <a:normAutofit fontScale="85000" lnSpcReduction="20000"/>
           </a:bodyPr>
           <a:lstStyle/>
           <a:p>
@@ -10521,15 +10529,7 @@
             </a:pPr>
             <a:r>
               <a:rPr lang="uk-UA" dirty="0"/>
-              <a:t>З метою виявлення найефективніших моделей для розпізнавання </a:t>
-            </a:r>
-            <a:r>
-              <a:rPr lang="en-US" dirty="0"/>
-              <a:t>AI-</a:t>
-            </a:r>
-            <a:r>
-              <a:rPr lang="uk-UA" dirty="0"/>
-              <a:t>згенерованих текстів було здійснено порівняння </a:t>
+              <a:t>Була здійснена класифікація </a:t>
             </a:r>
             <a:r>
               <a:rPr lang="uk-UA" dirty="0" err="1"/>
@@ -10537,7 +10537,7 @@
             </a:r>
             <a:r>
               <a:rPr lang="uk-UA" dirty="0"/>
-              <a:t> моделей, що представляють чотири етапи їхнього розвитку: </a:t>
+              <a:t> моделей за етапами розвитку: </a:t>
             </a:r>
           </a:p>
           <a:p>
